--- a/EEOBFINALPRESENTATION.pptx
+++ b/EEOBFINALPRESENTATION.pptx
@@ -5,12 +5,15 @@
     <p:sldMasterId id="2147483648" r:id="rId1"/>
   </p:sldMasterIdLst>
   <p:notesMasterIdLst>
-    <p:notesMasterId r:id="rId5"/>
+    <p:notesMasterId r:id="rId8"/>
   </p:notesMasterIdLst>
   <p:sldIdLst>
     <p:sldId id="256" r:id="rId2"/>
     <p:sldId id="257" r:id="rId3"/>
     <p:sldId id="258" r:id="rId4"/>
+    <p:sldId id="259" r:id="rId5"/>
+    <p:sldId id="260" r:id="rId6"/>
+    <p:sldId id="261" r:id="rId7"/>
   </p:sldIdLst>
   <p:sldSz cx="9144000" cy="6858000" type="screen4x3"/>
   <p:notesSz cx="6858000" cy="9144000"/>
@@ -194,7 +197,7 @@
           <a:p>
             <a:fld id="{83AB5C4C-7B5B-4397-9F1D-2D134E23F637}" type="datetimeFigureOut">
               <a:rPr lang="en-US" smtClean="0"/>
-              <a:t>4/10/2017</a:t>
+              <a:t>4/18/2017</a:t>
             </a:fld>
             <a:endParaRPr lang="en-US"/>
           </a:p>
@@ -749,7 +752,7 @@
           <a:p>
             <a:fld id="{EAFCBDC8-3559-4163-8DB0-5A91FB2678CA}" type="datetimeFigureOut">
               <a:rPr lang="en-US" smtClean="0"/>
-              <a:t>4/10/2017</a:t>
+              <a:t>4/18/2017</a:t>
             </a:fld>
             <a:endParaRPr lang="en-US"/>
           </a:p>
@@ -919,7 +922,7 @@
           <a:p>
             <a:fld id="{EAFCBDC8-3559-4163-8DB0-5A91FB2678CA}" type="datetimeFigureOut">
               <a:rPr lang="en-US" smtClean="0"/>
-              <a:t>4/10/2017</a:t>
+              <a:t>4/18/2017</a:t>
             </a:fld>
             <a:endParaRPr lang="en-US"/>
           </a:p>
@@ -1099,7 +1102,7 @@
           <a:p>
             <a:fld id="{EAFCBDC8-3559-4163-8DB0-5A91FB2678CA}" type="datetimeFigureOut">
               <a:rPr lang="en-US" smtClean="0"/>
-              <a:t>4/10/2017</a:t>
+              <a:t>4/18/2017</a:t>
             </a:fld>
             <a:endParaRPr lang="en-US"/>
           </a:p>
@@ -1269,7 +1272,7 @@
           <a:p>
             <a:fld id="{EAFCBDC8-3559-4163-8DB0-5A91FB2678CA}" type="datetimeFigureOut">
               <a:rPr lang="en-US" smtClean="0"/>
-              <a:t>4/10/2017</a:t>
+              <a:t>4/18/2017</a:t>
             </a:fld>
             <a:endParaRPr lang="en-US"/>
           </a:p>
@@ -1515,7 +1518,7 @@
           <a:p>
             <a:fld id="{EAFCBDC8-3559-4163-8DB0-5A91FB2678CA}" type="datetimeFigureOut">
               <a:rPr lang="en-US" smtClean="0"/>
-              <a:t>4/10/2017</a:t>
+              <a:t>4/18/2017</a:t>
             </a:fld>
             <a:endParaRPr lang="en-US"/>
           </a:p>
@@ -1803,7 +1806,7 @@
           <a:p>
             <a:fld id="{EAFCBDC8-3559-4163-8DB0-5A91FB2678CA}" type="datetimeFigureOut">
               <a:rPr lang="en-US" smtClean="0"/>
-              <a:t>4/10/2017</a:t>
+              <a:t>4/18/2017</a:t>
             </a:fld>
             <a:endParaRPr lang="en-US"/>
           </a:p>
@@ -2225,7 +2228,7 @@
           <a:p>
             <a:fld id="{EAFCBDC8-3559-4163-8DB0-5A91FB2678CA}" type="datetimeFigureOut">
               <a:rPr lang="en-US" smtClean="0"/>
-              <a:t>4/10/2017</a:t>
+              <a:t>4/18/2017</a:t>
             </a:fld>
             <a:endParaRPr lang="en-US"/>
           </a:p>
@@ -2343,7 +2346,7 @@
           <a:p>
             <a:fld id="{EAFCBDC8-3559-4163-8DB0-5A91FB2678CA}" type="datetimeFigureOut">
               <a:rPr lang="en-US" smtClean="0"/>
-              <a:t>4/10/2017</a:t>
+              <a:t>4/18/2017</a:t>
             </a:fld>
             <a:endParaRPr lang="en-US"/>
           </a:p>
@@ -2438,7 +2441,7 @@
           <a:p>
             <a:fld id="{EAFCBDC8-3559-4163-8DB0-5A91FB2678CA}" type="datetimeFigureOut">
               <a:rPr lang="en-US" smtClean="0"/>
-              <a:t>4/10/2017</a:t>
+              <a:t>4/18/2017</a:t>
             </a:fld>
             <a:endParaRPr lang="en-US"/>
           </a:p>
@@ -2715,7 +2718,7 @@
           <a:p>
             <a:fld id="{EAFCBDC8-3559-4163-8DB0-5A91FB2678CA}" type="datetimeFigureOut">
               <a:rPr lang="en-US" smtClean="0"/>
-              <a:t>4/10/2017</a:t>
+              <a:t>4/18/2017</a:t>
             </a:fld>
             <a:endParaRPr lang="en-US"/>
           </a:p>
@@ -2968,7 +2971,7 @@
           <a:p>
             <a:fld id="{EAFCBDC8-3559-4163-8DB0-5A91FB2678CA}" type="datetimeFigureOut">
               <a:rPr lang="en-US" smtClean="0"/>
-              <a:t>4/10/2017</a:t>
+              <a:t>4/18/2017</a:t>
             </a:fld>
             <a:endParaRPr lang="en-US"/>
           </a:p>
@@ -3181,7 +3184,7 @@
           <a:p>
             <a:fld id="{EAFCBDC8-3559-4163-8DB0-5A91FB2678CA}" type="datetimeFigureOut">
               <a:rPr lang="en-US" smtClean="0"/>
-              <a:t>4/10/2017</a:t>
+              <a:t>4/18/2017</a:t>
             </a:fld>
             <a:endParaRPr lang="en-US"/>
           </a:p>
@@ -4118,6 +4121,334 @@
     <p:extLst>
       <p:ext uri="{BB962C8B-B14F-4D97-AF65-F5344CB8AC3E}">
         <p14:creationId xmlns:p14="http://schemas.microsoft.com/office/powerpoint/2010/main" val="3110427175"/>
+      </p:ext>
+    </p:extLst>
+  </p:cSld>
+  <p:clrMapOvr>
+    <a:masterClrMapping/>
+  </p:clrMapOvr>
+</p:sld>
+</file>
+
+<file path=ppt/slides/slide4.xml><?xml version="1.0" encoding="utf-8"?>
+<p:sld xmlns:a="http://schemas.openxmlformats.org/drawingml/2006/main" xmlns:r="http://schemas.openxmlformats.org/officeDocument/2006/relationships" xmlns:p="http://schemas.openxmlformats.org/presentationml/2006/main">
+  <p:cSld>
+    <p:spTree>
+      <p:nvGrpSpPr>
+        <p:cNvPr id="1" name=""/>
+        <p:cNvGrpSpPr/>
+        <p:nvPr/>
+      </p:nvGrpSpPr>
+      <p:grpSpPr>
+        <a:xfrm>
+          <a:off x="0" y="0"/>
+          <a:ext cx="0" cy="0"/>
+          <a:chOff x="0" y="0"/>
+          <a:chExt cx="0" cy="0"/>
+        </a:xfrm>
+      </p:grpSpPr>
+      <p:sp>
+        <p:nvSpPr>
+          <p:cNvPr id="2" name="Title 1"/>
+          <p:cNvSpPr>
+            <a:spLocks noGrp="1"/>
+          </p:cNvSpPr>
+          <p:nvPr>
+            <p:ph type="title"/>
+          </p:nvPr>
+        </p:nvSpPr>
+        <p:spPr/>
+        <p:txBody>
+          <a:bodyPr/>
+          <a:lstStyle/>
+          <a:p>
+            <a:r>
+              <a:rPr lang="en-US" dirty="0" smtClean="0"/>
+              <a:t>Constructing Clusters</a:t>
+            </a:r>
+            <a:endParaRPr lang="en-US" dirty="0"/>
+          </a:p>
+        </p:txBody>
+      </p:sp>
+      <p:sp>
+        <p:nvSpPr>
+          <p:cNvPr id="3" name="Content Placeholder 2"/>
+          <p:cNvSpPr>
+            <a:spLocks noGrp="1"/>
+          </p:cNvSpPr>
+          <p:nvPr>
+            <p:ph idx="1"/>
+          </p:nvPr>
+        </p:nvSpPr>
+        <p:spPr/>
+        <p:txBody>
+          <a:bodyPr>
+            <a:normAutofit fontScale="92500" lnSpcReduction="10000"/>
+          </a:bodyPr>
+          <a:lstStyle/>
+          <a:p>
+            <a:r>
+              <a:rPr lang="en-US" dirty="0" err="1" smtClean="0"/>
+              <a:t>RepeatExplorer</a:t>
+            </a:r>
+            <a:endParaRPr lang="en-US" dirty="0" smtClean="0"/>
+          </a:p>
+          <a:p>
+            <a:pPr lvl="1"/>
+            <a:r>
+              <a:rPr lang="en-US" dirty="0" smtClean="0"/>
+              <a:t>Reads grouped together by similar sequences/graph based algorithm </a:t>
+            </a:r>
+            <a:endParaRPr lang="en-US" dirty="0"/>
+          </a:p>
+          <a:p>
+            <a:pPr lvl="1"/>
+            <a:r>
+              <a:rPr lang="en-US" dirty="0" err="1" smtClean="0"/>
+              <a:t>RepeatMasker</a:t>
+            </a:r>
+            <a:r>
+              <a:rPr lang="en-US" dirty="0" smtClean="0"/>
+              <a:t> annotated clusters</a:t>
+            </a:r>
+          </a:p>
+          <a:p>
+            <a:pPr lvl="1"/>
+            <a:r>
+              <a:rPr lang="en-US" dirty="0" smtClean="0"/>
+              <a:t>Calculated read counts per sample</a:t>
+            </a:r>
+          </a:p>
+          <a:p>
+            <a:pPr lvl="1"/>
+            <a:r>
+              <a:rPr lang="en-US" dirty="0" smtClean="0"/>
+              <a:t>Look at frequencies of different repeat clusters per species </a:t>
+            </a:r>
+          </a:p>
+          <a:p>
+            <a:pPr lvl="1"/>
+            <a:endParaRPr lang="en-US" dirty="0"/>
+          </a:p>
+          <a:p>
+            <a:pPr lvl="1"/>
+            <a:endParaRPr lang="en-US" dirty="0" smtClean="0"/>
+          </a:p>
+          <a:p>
+            <a:pPr lvl="1"/>
+            <a:r>
+              <a:rPr lang="en-US" dirty="0" smtClean="0"/>
+              <a:t>**** Include figure 2 here</a:t>
+            </a:r>
+          </a:p>
+        </p:txBody>
+      </p:sp>
+    </p:spTree>
+    <p:extLst>
+      <p:ext uri="{BB962C8B-B14F-4D97-AF65-F5344CB8AC3E}">
+        <p14:creationId xmlns:p14="http://schemas.microsoft.com/office/powerpoint/2010/main" val="1894351246"/>
+      </p:ext>
+    </p:extLst>
+  </p:cSld>
+  <p:clrMapOvr>
+    <a:masterClrMapping/>
+  </p:clrMapOvr>
+</p:sld>
+</file>
+
+<file path=ppt/slides/slide5.xml><?xml version="1.0" encoding="utf-8"?>
+<p:sld xmlns:a="http://schemas.openxmlformats.org/drawingml/2006/main" xmlns:r="http://schemas.openxmlformats.org/officeDocument/2006/relationships" xmlns:p="http://schemas.openxmlformats.org/presentationml/2006/main">
+  <p:cSld>
+    <p:spTree>
+      <p:nvGrpSpPr>
+        <p:cNvPr id="1" name=""/>
+        <p:cNvGrpSpPr/>
+        <p:nvPr/>
+      </p:nvGrpSpPr>
+      <p:grpSpPr>
+        <a:xfrm>
+          <a:off x="0" y="0"/>
+          <a:ext cx="0" cy="0"/>
+          <a:chOff x="0" y="0"/>
+          <a:chExt cx="0" cy="0"/>
+        </a:xfrm>
+      </p:grpSpPr>
+      <p:sp>
+        <p:nvSpPr>
+          <p:cNvPr id="2" name="Title 1"/>
+          <p:cNvSpPr>
+            <a:spLocks noGrp="1"/>
+          </p:cNvSpPr>
+          <p:nvPr>
+            <p:ph type="title"/>
+          </p:nvPr>
+        </p:nvSpPr>
+        <p:spPr/>
+        <p:txBody>
+          <a:bodyPr/>
+          <a:lstStyle/>
+          <a:p>
+            <a:r>
+              <a:rPr lang="en-US" dirty="0" smtClean="0"/>
+              <a:t>Cluster Abundance</a:t>
+            </a:r>
+            <a:endParaRPr lang="en-US" dirty="0"/>
+          </a:p>
+        </p:txBody>
+      </p:sp>
+      <p:sp>
+        <p:nvSpPr>
+          <p:cNvPr id="3" name="Content Placeholder 2"/>
+          <p:cNvSpPr>
+            <a:spLocks noGrp="1"/>
+          </p:cNvSpPr>
+          <p:nvPr>
+            <p:ph idx="1"/>
+          </p:nvPr>
+        </p:nvSpPr>
+        <p:spPr/>
+        <p:txBody>
+          <a:bodyPr/>
+          <a:lstStyle/>
+          <a:p>
+            <a:r>
+              <a:rPr lang="en-US" dirty="0" smtClean="0"/>
+              <a:t>Largest 1000 clusters from all three species</a:t>
+            </a:r>
+          </a:p>
+          <a:p>
+            <a:r>
+              <a:rPr lang="en-US" dirty="0" smtClean="0"/>
+              <a:t>Not able to use the contrast package used by original author. </a:t>
+            </a:r>
+          </a:p>
+          <a:p>
+            <a:r>
+              <a:rPr lang="en-US" dirty="0" smtClean="0"/>
+              <a:t>Built in GLM function produced similar answer.</a:t>
+            </a:r>
+          </a:p>
+          <a:p>
+            <a:endParaRPr lang="en-US" dirty="0"/>
+          </a:p>
+          <a:p>
+            <a:endParaRPr lang="en-US" dirty="0" smtClean="0"/>
+          </a:p>
+          <a:p>
+            <a:r>
+              <a:rPr lang="en-US" dirty="0" smtClean="0"/>
+              <a:t>**** Include figure 3 here</a:t>
+            </a:r>
+            <a:endParaRPr lang="en-US" dirty="0"/>
+          </a:p>
+        </p:txBody>
+      </p:sp>
+    </p:spTree>
+    <p:extLst>
+      <p:ext uri="{BB962C8B-B14F-4D97-AF65-F5344CB8AC3E}">
+        <p14:creationId xmlns:p14="http://schemas.microsoft.com/office/powerpoint/2010/main" val="331160232"/>
+      </p:ext>
+    </p:extLst>
+  </p:cSld>
+  <p:clrMapOvr>
+    <a:masterClrMapping/>
+  </p:clrMapOvr>
+</p:sld>
+</file>
+
+<file path=ppt/slides/slide6.xml><?xml version="1.0" encoding="utf-8"?>
+<p:sld xmlns:a="http://schemas.openxmlformats.org/drawingml/2006/main" xmlns:r="http://schemas.openxmlformats.org/officeDocument/2006/relationships" xmlns:p="http://schemas.openxmlformats.org/presentationml/2006/main">
+  <p:cSld>
+    <p:spTree>
+      <p:nvGrpSpPr>
+        <p:cNvPr id="1" name=""/>
+        <p:cNvGrpSpPr/>
+        <p:nvPr/>
+      </p:nvGrpSpPr>
+      <p:grpSpPr>
+        <a:xfrm>
+          <a:off x="0" y="0"/>
+          <a:ext cx="0" cy="0"/>
+          <a:chOff x="0" y="0"/>
+          <a:chExt cx="0" cy="0"/>
+        </a:xfrm>
+      </p:grpSpPr>
+      <p:sp>
+        <p:nvSpPr>
+          <p:cNvPr id="2" name="Title 1"/>
+          <p:cNvSpPr>
+            <a:spLocks noGrp="1"/>
+          </p:cNvSpPr>
+          <p:nvPr>
+            <p:ph type="title"/>
+          </p:nvPr>
+        </p:nvSpPr>
+        <p:spPr/>
+        <p:txBody>
+          <a:bodyPr/>
+          <a:lstStyle/>
+          <a:p>
+            <a:r>
+              <a:rPr lang="en-US" dirty="0" smtClean="0"/>
+              <a:t>Hierarchical Clustering</a:t>
+            </a:r>
+            <a:endParaRPr lang="en-US" dirty="0"/>
+          </a:p>
+        </p:txBody>
+      </p:sp>
+      <p:sp>
+        <p:nvSpPr>
+          <p:cNvPr id="3" name="Content Placeholder 2"/>
+          <p:cNvSpPr>
+            <a:spLocks noGrp="1"/>
+          </p:cNvSpPr>
+          <p:nvPr>
+            <p:ph idx="1"/>
+          </p:nvPr>
+        </p:nvSpPr>
+        <p:spPr/>
+        <p:txBody>
+          <a:bodyPr/>
+          <a:lstStyle/>
+          <a:p>
+            <a:r>
+              <a:rPr lang="en-US" dirty="0" smtClean="0"/>
+              <a:t>Plot clusters in two dimensional space based on repeat content per sample and </a:t>
+            </a:r>
+            <a:r>
+              <a:rPr lang="en-US" dirty="0" err="1" smtClean="0"/>
+              <a:t>euclidean</a:t>
+            </a:r>
+            <a:r>
+              <a:rPr lang="en-US" dirty="0" smtClean="0"/>
+              <a:t> distance</a:t>
+            </a:r>
+          </a:p>
+          <a:p>
+            <a:endParaRPr lang="en-US" dirty="0"/>
+          </a:p>
+          <a:p>
+            <a:endParaRPr lang="en-US" dirty="0" smtClean="0"/>
+          </a:p>
+          <a:p>
+            <a:endParaRPr lang="en-US" dirty="0"/>
+          </a:p>
+          <a:p>
+            <a:endParaRPr lang="en-US" dirty="0" smtClean="0"/>
+          </a:p>
+          <a:p>
+            <a:r>
+              <a:rPr lang="en-US" dirty="0" smtClean="0"/>
+              <a:t>*** Include Figure 4 here</a:t>
+            </a:r>
+            <a:endParaRPr lang="en-US" dirty="0"/>
+          </a:p>
+        </p:txBody>
+      </p:sp>
+    </p:spTree>
+    <p:extLst>
+      <p:ext uri="{BB962C8B-B14F-4D97-AF65-F5344CB8AC3E}">
+        <p14:creationId xmlns:p14="http://schemas.microsoft.com/office/powerpoint/2010/main" val="3766217060"/>
       </p:ext>
     </p:extLst>
   </p:cSld>

--- a/EEOBFINALPRESENTATION.pptx
+++ b/EEOBFINALPRESENTATION.pptx
@@ -112,6 +112,22 @@
       </a:defRPr>
     </a:lvl9pPr>
   </p:defaultTextStyle>
+  <p:extLst>
+    <p:ext uri="{EFAFB233-063F-42B5-8137-9DF3F51BA10A}">
+      <p15:sldGuideLst xmlns:p15="http://schemas.microsoft.com/office/powerpoint/2012/main">
+        <p15:guide id="1" orient="horz" pos="2160">
+          <p15:clr>
+            <a:srgbClr val="A4A3A4"/>
+          </p15:clr>
+        </p15:guide>
+        <p15:guide id="2" pos="2880">
+          <p15:clr>
+            <a:srgbClr val="A4A3A4"/>
+          </p15:clr>
+        </p15:guide>
+      </p15:sldGuideLst>
+    </p:ext>
+  </p:extLst>
 </p:presentation>
 </file>
 
@@ -197,7 +213,7 @@
           <a:p>
             <a:fld id="{83AB5C4C-7B5B-4397-9F1D-2D134E23F637}" type="datetimeFigureOut">
               <a:rPr lang="en-US" smtClean="0"/>
-              <a:t>4/18/2017</a:t>
+              <a:t>4/21/2017</a:t>
             </a:fld>
             <a:endParaRPr lang="en-US"/>
           </a:p>
@@ -752,7 +768,7 @@
           <a:p>
             <a:fld id="{EAFCBDC8-3559-4163-8DB0-5A91FB2678CA}" type="datetimeFigureOut">
               <a:rPr lang="en-US" smtClean="0"/>
-              <a:t>4/18/2017</a:t>
+              <a:t>4/21/2017</a:t>
             </a:fld>
             <a:endParaRPr lang="en-US"/>
           </a:p>
@@ -922,7 +938,7 @@
           <a:p>
             <a:fld id="{EAFCBDC8-3559-4163-8DB0-5A91FB2678CA}" type="datetimeFigureOut">
               <a:rPr lang="en-US" smtClean="0"/>
-              <a:t>4/18/2017</a:t>
+              <a:t>4/21/2017</a:t>
             </a:fld>
             <a:endParaRPr lang="en-US"/>
           </a:p>
@@ -1102,7 +1118,7 @@
           <a:p>
             <a:fld id="{EAFCBDC8-3559-4163-8DB0-5A91FB2678CA}" type="datetimeFigureOut">
               <a:rPr lang="en-US" smtClean="0"/>
-              <a:t>4/18/2017</a:t>
+              <a:t>4/21/2017</a:t>
             </a:fld>
             <a:endParaRPr lang="en-US"/>
           </a:p>
@@ -1272,7 +1288,7 @@
           <a:p>
             <a:fld id="{EAFCBDC8-3559-4163-8DB0-5A91FB2678CA}" type="datetimeFigureOut">
               <a:rPr lang="en-US" smtClean="0"/>
-              <a:t>4/18/2017</a:t>
+              <a:t>4/21/2017</a:t>
             </a:fld>
             <a:endParaRPr lang="en-US"/>
           </a:p>
@@ -1518,7 +1534,7 @@
           <a:p>
             <a:fld id="{EAFCBDC8-3559-4163-8DB0-5A91FB2678CA}" type="datetimeFigureOut">
               <a:rPr lang="en-US" smtClean="0"/>
-              <a:t>4/18/2017</a:t>
+              <a:t>4/21/2017</a:t>
             </a:fld>
             <a:endParaRPr lang="en-US"/>
           </a:p>
@@ -1806,7 +1822,7 @@
           <a:p>
             <a:fld id="{EAFCBDC8-3559-4163-8DB0-5A91FB2678CA}" type="datetimeFigureOut">
               <a:rPr lang="en-US" smtClean="0"/>
-              <a:t>4/18/2017</a:t>
+              <a:t>4/21/2017</a:t>
             </a:fld>
             <a:endParaRPr lang="en-US"/>
           </a:p>
@@ -2228,7 +2244,7 @@
           <a:p>
             <a:fld id="{EAFCBDC8-3559-4163-8DB0-5A91FB2678CA}" type="datetimeFigureOut">
               <a:rPr lang="en-US" smtClean="0"/>
-              <a:t>4/18/2017</a:t>
+              <a:t>4/21/2017</a:t>
             </a:fld>
             <a:endParaRPr lang="en-US"/>
           </a:p>
@@ -2346,7 +2362,7 @@
           <a:p>
             <a:fld id="{EAFCBDC8-3559-4163-8DB0-5A91FB2678CA}" type="datetimeFigureOut">
               <a:rPr lang="en-US" smtClean="0"/>
-              <a:t>4/18/2017</a:t>
+              <a:t>4/21/2017</a:t>
             </a:fld>
             <a:endParaRPr lang="en-US"/>
           </a:p>
@@ -2441,7 +2457,7 @@
           <a:p>
             <a:fld id="{EAFCBDC8-3559-4163-8DB0-5A91FB2678CA}" type="datetimeFigureOut">
               <a:rPr lang="en-US" smtClean="0"/>
-              <a:t>4/18/2017</a:t>
+              <a:t>4/21/2017</a:t>
             </a:fld>
             <a:endParaRPr lang="en-US"/>
           </a:p>
@@ -2718,7 +2734,7 @@
           <a:p>
             <a:fld id="{EAFCBDC8-3559-4163-8DB0-5A91FB2678CA}" type="datetimeFigureOut">
               <a:rPr lang="en-US" smtClean="0"/>
-              <a:t>4/18/2017</a:t>
+              <a:t>4/21/2017</a:t>
             </a:fld>
             <a:endParaRPr lang="en-US"/>
           </a:p>
@@ -2971,7 +2987,7 @@
           <a:p>
             <a:fld id="{EAFCBDC8-3559-4163-8DB0-5A91FB2678CA}" type="datetimeFigureOut">
               <a:rPr lang="en-US" smtClean="0"/>
-              <a:t>4/18/2017</a:t>
+              <a:t>4/21/2017</a:t>
             </a:fld>
             <a:endParaRPr lang="en-US"/>
           </a:p>
@@ -3184,7 +3200,7 @@
           <a:p>
             <a:fld id="{EAFCBDC8-3559-4163-8DB0-5A91FB2678CA}" type="datetimeFigureOut">
               <a:rPr lang="en-US" smtClean="0"/>
-              <a:t>4/18/2017</a:t>
+              <a:t>4/21/2017</a:t>
             </a:fld>
             <a:endParaRPr lang="en-US"/>
           </a:p>
@@ -3718,7 +3734,15 @@
           <a:p>
             <a:r>
               <a:rPr lang="en-US" dirty="0" smtClean="0"/>
-              <a:t>Re-documented by Justin Conover, Ching-Yi Lao, and Emma Miller</a:t>
+              <a:t>Re-documented by Justin Conover, Ching-Yi </a:t>
+            </a:r>
+            <a:r>
+              <a:rPr lang="en-US" dirty="0" smtClean="0"/>
+              <a:t>Liao</a:t>
+            </a:r>
+            <a:r>
+              <a:rPr lang="en-US" dirty="0" smtClean="0"/>
+              <a:t>, and Emma Miller</a:t>
             </a:r>
             <a:endParaRPr lang="en-US" dirty="0"/>
           </a:p>
